--- a/lectures/09-05-Course-Overview.pptx
+++ b/lectures/09-05-Course-Overview.pptx
@@ -1744,15 +1744,7 @@
             </a:pPr>
             <a:r>
               <a:rPr lang="en-US" dirty="0" smtClean="0"/>
-              <a:t>Knowing GPU architecture is </a:t>
-            </a:r>
-            <a:r>
-              <a:rPr lang="en-US" dirty="0" smtClean="0"/>
-              <a:t>key </a:t>
-            </a:r>
-            <a:r>
-              <a:rPr lang="en-US" dirty="0" smtClean="0"/>
-              <a:t>to programming with CUDA.</a:t>
+              <a:t>Knowing GPU architecture is key to programming with CUDA.</a:t>
             </a:r>
           </a:p>
           <a:p>
@@ -1770,11 +1762,7 @@
             </a:r>
             <a:r>
               <a:rPr lang="en-US" dirty="0" smtClean="0"/>
-              <a:t>mage </a:t>
-            </a:r>
-            <a:r>
-              <a:rPr lang="en-US" dirty="0" smtClean="0"/>
-              <a:t>processing, computer vision, financial analysis, collision detection, path planning, etc.</a:t>
+              <a:t>mage processing, computer vision, financial analysis, collision detection, path planning, etc.</a:t>
             </a:r>
           </a:p>
         </p:txBody>
@@ -2543,7 +2531,73 @@
                 <a:ea typeface="+mn-ea"/>
                 <a:cs typeface="+mn-cs"/>
               </a:rPr>
-              <a:t>http://www.shader.org/webglcamp/slides/s2_4.pdf</a:t>
+              <a:t>http://</a:t>
+            </a:r>
+            <a:r>
+              <a:rPr lang="en-US" sz="1200" b="0" i="0" kern="1200" dirty="0" smtClean="0">
+                <a:solidFill>
+                  <a:schemeClr val="tx1"/>
+                </a:solidFill>
+                <a:effectLst/>
+                <a:latin typeface="Arial" charset="0"/>
+                <a:ea typeface="+mn-ea"/>
+                <a:cs typeface="+mn-cs"/>
+              </a:rPr>
+              <a:t>www.shader.org/webglcamp/slides/s2_4.pdf</a:t>
+            </a:r>
+          </a:p>
+          <a:p>
+            <a:pPr eaLnBrk="1" hangingPunct="1"/>
+            <a:endParaRPr lang="en-US" sz="1200" b="0" i="0" kern="1200" dirty="0" smtClean="0">
+              <a:solidFill>
+                <a:schemeClr val="tx1"/>
+              </a:solidFill>
+              <a:effectLst/>
+              <a:latin typeface="Arial" charset="0"/>
+              <a:ea typeface="+mn-ea"/>
+              <a:cs typeface="+mn-cs"/>
+            </a:endParaRPr>
+          </a:p>
+          <a:p>
+            <a:pPr eaLnBrk="1" hangingPunct="1"/>
+            <a:r>
+              <a:rPr lang="en-US" sz="1200" b="0" i="0" kern="1200" dirty="0" smtClean="0">
+                <a:solidFill>
+                  <a:schemeClr val="tx1"/>
+                </a:solidFill>
+                <a:effectLst/>
+                <a:latin typeface="Arial" charset="0"/>
+                <a:ea typeface="+mn-ea"/>
+                <a:cs typeface="+mn-cs"/>
+              </a:rPr>
+              <a:t>“huge number of dynamic lights and shadows, high quality animated skinned characters, particle systems with multiple stages, 2D GUIs and animations mapped onto 3D objects, and a great variety of materials and shading effects.”</a:t>
+            </a:r>
+          </a:p>
+          <a:p>
+            <a:pPr eaLnBrk="1" hangingPunct="1"/>
+            <a:endParaRPr lang="en-US" sz="1200" b="0" i="0" kern="1200" dirty="0" smtClean="0">
+              <a:solidFill>
+                <a:schemeClr val="tx1"/>
+              </a:solidFill>
+              <a:effectLst/>
+              <a:latin typeface="Arial" charset="0"/>
+              <a:ea typeface="+mn-ea"/>
+              <a:cs typeface="+mn-cs"/>
+            </a:endParaRPr>
+          </a:p>
+          <a:p>
+            <a:pPr eaLnBrk="1" hangingPunct="1"/>
+            <a:r>
+              <a:rPr lang="en-US" sz="1200" b="0" i="0" kern="1200" smtClean="0">
+                <a:solidFill>
+                  <a:schemeClr val="tx1"/>
+                </a:solidFill>
+                <a:effectLst/>
+                <a:latin typeface="Arial" charset="0"/>
+                <a:ea typeface="+mn-ea"/>
+                <a:cs typeface="+mn-cs"/>
+              </a:rPr>
+              <a:t>“portal-based scene manager.”</a:t>
             </a:r>
             <a:endParaRPr lang="en-US" dirty="0" smtClean="0"/>
           </a:p>
@@ -2924,9 +2978,261 @@
                 <a:cs typeface="+mn-cs"/>
                 <a:hlinkClick r:id="rId3"/>
               </a:rPr>
-              <a:t>http://developer.amd.com/media/gpu_assets/ToyShop-Eurographics_AnimationFestival.pdf</a:t>
-            </a:r>
-            <a:endParaRPr lang="en-US" dirty="0" smtClean="0"/>
+              <a:t>http://</a:t>
+            </a:r>
+            <a:r>
+              <a:rPr lang="en-US" sz="1200" b="0" i="0" kern="1200" dirty="0" smtClean="0">
+                <a:solidFill>
+                  <a:schemeClr val="tx1"/>
+                </a:solidFill>
+                <a:effectLst/>
+                <a:latin typeface="Arial" charset="0"/>
+                <a:ea typeface="+mn-ea"/>
+                <a:cs typeface="+mn-cs"/>
+                <a:hlinkClick r:id="rId3"/>
+              </a:rPr>
+              <a:t>developer.amd.com/media/gpu_assets/ToyShop-Eurographics_AnimationFestival.pdf</a:t>
+            </a:r>
+            <a:endParaRPr lang="en-US" sz="1200" b="0" i="0" kern="1200" dirty="0" smtClean="0">
+              <a:solidFill>
+                <a:schemeClr val="tx1"/>
+              </a:solidFill>
+              <a:effectLst/>
+              <a:latin typeface="Arial" charset="0"/>
+              <a:ea typeface="+mn-ea"/>
+              <a:cs typeface="+mn-cs"/>
+            </a:endParaRPr>
+          </a:p>
+          <a:p>
+            <a:pPr eaLnBrk="1" hangingPunct="1"/>
+            <a:endParaRPr lang="en-US" sz="1200" b="0" i="0" kern="1200" dirty="0" smtClean="0">
+              <a:solidFill>
+                <a:schemeClr val="tx1"/>
+              </a:solidFill>
+              <a:effectLst/>
+              <a:latin typeface="Arial" charset="0"/>
+              <a:ea typeface="+mn-ea"/>
+              <a:cs typeface="+mn-cs"/>
+            </a:endParaRPr>
+          </a:p>
+          <a:p>
+            <a:pPr marL="171450" indent="-171450" eaLnBrk="1" hangingPunct="1">
+              <a:buFont typeface="Arial" charset="0"/>
+              <a:buChar char="•"/>
+            </a:pPr>
+            <a:r>
+              <a:rPr lang="en-US" sz="1200" b="0" i="0" kern="1200" dirty="0" smtClean="0">
+                <a:solidFill>
+                  <a:schemeClr val="tx1"/>
+                </a:solidFill>
+                <a:effectLst/>
+                <a:latin typeface="Arial" charset="0"/>
+                <a:ea typeface="+mn-ea"/>
+                <a:cs typeface="+mn-cs"/>
+              </a:rPr>
+              <a:t>From 2006</a:t>
+            </a:r>
+            <a:r>
+              <a:rPr lang="en-US" sz="1200" b="0" i="0" kern="1200" baseline="0" dirty="0" smtClean="0">
+                <a:solidFill>
+                  <a:schemeClr val="tx1"/>
+                </a:solidFill>
+                <a:effectLst/>
+                <a:latin typeface="Arial" charset="0"/>
+                <a:ea typeface="+mn-ea"/>
+                <a:cs typeface="+mn-cs"/>
+              </a:rPr>
+              <a:t> (pre unified shader architecture, wow) – Radeon X1800 at 26-29 fps</a:t>
+            </a:r>
+          </a:p>
+          <a:p>
+            <a:pPr marL="171450" indent="-171450" eaLnBrk="1" hangingPunct="1">
+              <a:buFont typeface="Arial" charset="0"/>
+              <a:buChar char="•"/>
+            </a:pPr>
+            <a:r>
+              <a:rPr lang="en-US" sz="1200" b="0" i="0" kern="1200" baseline="0" dirty="0" smtClean="0">
+                <a:solidFill>
+                  <a:schemeClr val="tx1"/>
+                </a:solidFill>
+                <a:effectLst/>
+                <a:latin typeface="Arial" charset="0"/>
+                <a:ea typeface="+mn-ea"/>
+                <a:cs typeface="+mn-cs"/>
+              </a:rPr>
+              <a:t>Parallax Occlusion Mapping – self-shadows, perspective-correct:  bricks, wood letters, sidewalks</a:t>
+            </a:r>
+          </a:p>
+          <a:p>
+            <a:pPr marL="171450" indent="-171450" eaLnBrk="1" hangingPunct="1">
+              <a:buFont typeface="Arial" charset="0"/>
+              <a:buChar char="•"/>
+            </a:pPr>
+            <a:r>
+              <a:rPr lang="en-US" sz="1200" b="0" i="0" kern="1200" baseline="0" dirty="0" smtClean="0">
+                <a:solidFill>
+                  <a:schemeClr val="tx1"/>
+                </a:solidFill>
+                <a:effectLst/>
+                <a:latin typeface="Arial" charset="0"/>
+                <a:ea typeface="+mn-ea"/>
+                <a:cs typeface="+mn-cs"/>
+              </a:rPr>
+              <a:t>28 MB vertex/index.  156 MB for (compressed) textures.  54 MB for </a:t>
+            </a:r>
+            <a:r>
+              <a:rPr lang="en-US" sz="1200" b="0" i="0" kern="1200" baseline="0" dirty="0" err="1" smtClean="0">
+                <a:solidFill>
+                  <a:schemeClr val="tx1"/>
+                </a:solidFill>
+                <a:effectLst/>
+                <a:latin typeface="Arial" charset="0"/>
+                <a:ea typeface="+mn-ea"/>
+                <a:cs typeface="+mn-cs"/>
+              </a:rPr>
+              <a:t>framebuffers</a:t>
+            </a:r>
+            <a:r>
+              <a:rPr lang="en-US" sz="1200" b="0" i="0" kern="1200" baseline="0" dirty="0" smtClean="0">
+                <a:solidFill>
+                  <a:schemeClr val="tx1"/>
+                </a:solidFill>
+                <a:effectLst/>
+                <a:latin typeface="Arial" charset="0"/>
+                <a:ea typeface="+mn-ea"/>
+                <a:cs typeface="+mn-cs"/>
+              </a:rPr>
+              <a:t>.  Total 240 MB.</a:t>
+            </a:r>
+          </a:p>
+          <a:p>
+            <a:pPr marL="171450" indent="-171450" eaLnBrk="1" hangingPunct="1">
+              <a:buFont typeface="Arial" charset="0"/>
+              <a:buChar char="•"/>
+            </a:pPr>
+            <a:r>
+              <a:rPr lang="en-US" sz="1200" b="0" i="0" kern="1200" baseline="0" dirty="0" smtClean="0">
+                <a:solidFill>
+                  <a:schemeClr val="tx1"/>
+                </a:solidFill>
+                <a:effectLst/>
+                <a:latin typeface="Arial" charset="0"/>
+                <a:ea typeface="+mn-ea"/>
+                <a:cs typeface="+mn-cs"/>
+              </a:rPr>
+              <a:t>500 different shaders.</a:t>
+            </a:r>
+          </a:p>
+          <a:p>
+            <a:pPr marL="171450" indent="-171450" eaLnBrk="1" hangingPunct="1">
+              <a:buFont typeface="Arial" charset="0"/>
+              <a:buChar char="•"/>
+            </a:pPr>
+            <a:r>
+              <a:rPr lang="en-US" sz="1200" b="0" i="0" kern="1200" baseline="0" dirty="0" smtClean="0">
+                <a:solidFill>
+                  <a:schemeClr val="tx1"/>
+                </a:solidFill>
+                <a:effectLst/>
+                <a:latin typeface="Arial" charset="0"/>
+                <a:ea typeface="+mn-ea"/>
+                <a:cs typeface="+mn-cs"/>
+              </a:rPr>
+              <a:t>250 draw calls for 200-500K polygons and 0-22K particles</a:t>
+            </a:r>
+          </a:p>
+          <a:p>
+            <a:pPr marL="171450" indent="-171450" eaLnBrk="1" hangingPunct="1">
+              <a:buFont typeface="Arial" charset="0"/>
+              <a:buChar char="•"/>
+            </a:pPr>
+            <a:r>
+              <a:rPr lang="en-US" sz="1200" b="0" i="0" kern="1200" baseline="0" dirty="0" smtClean="0">
+                <a:solidFill>
+                  <a:schemeClr val="tx1"/>
+                </a:solidFill>
+                <a:effectLst/>
+                <a:latin typeface="Arial" charset="0"/>
+                <a:ea typeface="+mn-ea"/>
+                <a:cs typeface="+mn-cs"/>
+              </a:rPr>
+              <a:t>Post-processing effects for glow, blurry reflections, and rain</a:t>
+            </a:r>
+          </a:p>
+          <a:p>
+            <a:pPr marL="171450" indent="-171450" eaLnBrk="1" hangingPunct="1">
+              <a:buFont typeface="Arial" charset="0"/>
+              <a:buChar char="•"/>
+            </a:pPr>
+            <a:r>
+              <a:rPr lang="en-US" sz="1200" b="0" i="0" kern="1200" baseline="0" dirty="0" smtClean="0">
+                <a:solidFill>
+                  <a:schemeClr val="tx1"/>
+                </a:solidFill>
+                <a:effectLst/>
+                <a:latin typeface="Arial" charset="0"/>
+                <a:ea typeface="+mn-ea"/>
+                <a:cs typeface="+mn-cs"/>
+              </a:rPr>
+              <a:t>Water simulation on GPU using Euler integration (only SM 2.0!)</a:t>
+            </a:r>
+          </a:p>
+          <a:p>
+            <a:pPr marL="171450" indent="-171450" eaLnBrk="1" hangingPunct="1">
+              <a:buFont typeface="Arial" charset="0"/>
+              <a:buChar char="•"/>
+            </a:pPr>
+            <a:endParaRPr lang="en-US" sz="1200" b="0" i="0" kern="1200" baseline="0" dirty="0" smtClean="0">
+              <a:solidFill>
+                <a:schemeClr val="tx1"/>
+              </a:solidFill>
+              <a:effectLst/>
+              <a:latin typeface="Arial" charset="0"/>
+              <a:ea typeface="+mn-ea"/>
+              <a:cs typeface="+mn-cs"/>
+            </a:endParaRPr>
+          </a:p>
+          <a:p>
+            <a:pPr marL="171450" indent="-171450" eaLnBrk="1" hangingPunct="1">
+              <a:buFont typeface="Arial" charset="0"/>
+              <a:buChar char="•"/>
+            </a:pPr>
+            <a:endParaRPr lang="en-US" sz="1200" b="0" i="0" kern="1200" baseline="0" dirty="0" smtClean="0">
+              <a:solidFill>
+                <a:schemeClr val="tx1"/>
+              </a:solidFill>
+              <a:effectLst/>
+              <a:latin typeface="Arial" charset="0"/>
+              <a:ea typeface="+mn-ea"/>
+              <a:cs typeface="+mn-cs"/>
+            </a:endParaRPr>
+          </a:p>
+          <a:p>
+            <a:pPr marL="171450" indent="-171450" eaLnBrk="1" hangingPunct="1">
+              <a:buFont typeface="Arial" charset="0"/>
+              <a:buChar char="•"/>
+            </a:pPr>
+            <a:endParaRPr lang="en-US" sz="1200" b="0" i="0" kern="1200" baseline="0" dirty="0" smtClean="0">
+              <a:solidFill>
+                <a:schemeClr val="tx1"/>
+              </a:solidFill>
+              <a:effectLst/>
+              <a:latin typeface="Arial" charset="0"/>
+              <a:ea typeface="+mn-ea"/>
+              <a:cs typeface="+mn-cs"/>
+            </a:endParaRPr>
+          </a:p>
+          <a:p>
+            <a:pPr eaLnBrk="1" hangingPunct="1"/>
+            <a:endParaRPr lang="en-US" sz="1200" b="0" i="0" kern="1200" dirty="0" smtClean="0">
+              <a:solidFill>
+                <a:schemeClr val="tx1"/>
+              </a:solidFill>
+              <a:effectLst/>
+              <a:latin typeface="Arial" charset="0"/>
+              <a:ea typeface="+mn-ea"/>
+              <a:cs typeface="+mn-cs"/>
+            </a:endParaRPr>
           </a:p>
         </p:txBody>
       </p:sp>
@@ -3107,7 +3413,87 @@
           <a:p>
             <a:r>
               <a:rPr lang="en-US" dirty="0" smtClean="0"/>
-              <a:t>Also see - http://www.youtube.com/watch?v=s2y7e3Zm1xc</a:t>
+              <a:t>http://developer.amd.com/Resources/documentation/samples/demos/pages/AMDRadeonHD7900SeriesGraphicsReal-TimeDemos.aspx</a:t>
+            </a:r>
+          </a:p>
+          <a:p>
+            <a:endParaRPr lang="en-US" dirty="0" smtClean="0"/>
+          </a:p>
+          <a:p>
+            <a:r>
+              <a:rPr lang="en-US" dirty="0" smtClean="0"/>
+              <a:t>Also </a:t>
+            </a:r>
+            <a:r>
+              <a:rPr lang="en-US" dirty="0" smtClean="0"/>
+              <a:t>see - http://</a:t>
+            </a:r>
+            <a:r>
+              <a:rPr lang="en-US" dirty="0" smtClean="0"/>
+              <a:t>www.youtube.com/watch?v=s2y7e3Zm1xc</a:t>
+            </a:r>
+          </a:p>
+          <a:p>
+            <a:endParaRPr lang="en-US" dirty="0" smtClean="0"/>
+          </a:p>
+          <a:p>
+            <a:pPr marL="171450" indent="-171450">
+              <a:buFont typeface="Arial" charset="0"/>
+              <a:buChar char="•"/>
+            </a:pPr>
+            <a:r>
+              <a:rPr lang="en-US" dirty="0" smtClean="0"/>
+              <a:t>Complex</a:t>
+            </a:r>
+            <a:r>
+              <a:rPr lang="en-US" baseline="0" dirty="0" smtClean="0"/>
+              <a:t> materials AND many lights AND many light models.</a:t>
+            </a:r>
+          </a:p>
+          <a:p>
+            <a:pPr marL="171450" indent="-171450">
+              <a:buFont typeface="Arial" charset="0"/>
+              <a:buChar char="•"/>
+            </a:pPr>
+            <a:r>
+              <a:rPr lang="en-US" baseline="0" dirty="0" smtClean="0"/>
+              <a:t>Use compute to cull lights per tile.  Forward shade per tile only with affecting lights.</a:t>
+            </a:r>
+          </a:p>
+          <a:p>
+            <a:pPr marL="171450" indent="-171450">
+              <a:buFont typeface="Arial" charset="0"/>
+              <a:buChar char="•"/>
+            </a:pPr>
+            <a:r>
+              <a:rPr lang="en-US" sz="1200" kern="1200" dirty="0" smtClean="0">
+                <a:solidFill>
+                  <a:schemeClr val="tx1"/>
+                </a:solidFill>
+                <a:effectLst/>
+                <a:latin typeface="Arial" charset="0"/>
+                <a:ea typeface="+mn-ea"/>
+                <a:cs typeface="+mn-cs"/>
+              </a:rPr>
+              <a:t>One bounce global illumination effects by spawning virtual point light sources where light strikes a surface.</a:t>
+            </a:r>
+          </a:p>
+          <a:p>
+            <a:pPr marL="171450" indent="-171450">
+              <a:buFont typeface="Arial" charset="0"/>
+              <a:buChar char="•"/>
+            </a:pPr>
+            <a:r>
+              <a:rPr lang="en-US" sz="1200" kern="1200" dirty="0" smtClean="0">
+                <a:solidFill>
+                  <a:schemeClr val="tx1"/>
+                </a:solidFill>
+                <a:effectLst/>
+                <a:latin typeface="Arial" charset="0"/>
+                <a:ea typeface="+mn-ea"/>
+                <a:cs typeface="+mn-cs"/>
+              </a:rPr>
+              <a:t>Multiple BRDF equations, realistic use of index of refraction, absorption based on wavelength for metals, etc.</a:t>
             </a:r>
             <a:endParaRPr lang="en-US" dirty="0"/>
           </a:p>
@@ -3604,7 +3990,6 @@
               <a:rPr lang="en-US" dirty="0" smtClean="0"/>
               <a:t>And hopefully console architectures too…</a:t>
             </a:r>
-            <a:endParaRPr lang="en-US" dirty="0" smtClean="0"/>
           </a:p>
         </p:txBody>
       </p:sp>
@@ -4003,11 +4388,7 @@
             <a:pPr eaLnBrk="1" hangingPunct="1"/>
             <a:r>
               <a:rPr lang="en-US" dirty="0" smtClean="0"/>
-              <a:t>Some outstanding students don’t have great grades.  Most students will great grades do well outside of school</a:t>
-            </a:r>
-            <a:r>
-              <a:rPr lang="en-US" dirty="0" smtClean="0"/>
-              <a:t>.</a:t>
+              <a:t>Some outstanding students don’t have great grades.  Most students will great grades do well outside of school.</a:t>
             </a:r>
           </a:p>
           <a:p>
@@ -4020,7 +4401,6 @@
               <a:rPr lang="en-US" dirty="0" smtClean="0"/>
               <a:t>This is a pragmatic course about creating outstanding GPU/graphics developers.  I don’t care if you can pass a test.  No midterm.  Mostly no written homework</a:t>
             </a:r>
-            <a:endParaRPr lang="en-US" dirty="0" smtClean="0"/>
           </a:p>
         </p:txBody>
       </p:sp>
@@ -4776,11 +5156,7 @@
             <a:pPr eaLnBrk="1" hangingPunct="1"/>
             <a:r>
               <a:rPr lang="en-US" dirty="0" smtClean="0"/>
-              <a:t>Avoid burning out or making mistakes at the very end.  Avoid unforeseen problems.  “Early and often</a:t>
-            </a:r>
-            <a:r>
-              <a:rPr lang="en-US" dirty="0" smtClean="0"/>
-              <a:t>.”</a:t>
+              <a:t>Avoid burning out or making mistakes at the very end.  Avoid unforeseen problems.  “Early and often.”</a:t>
             </a:r>
           </a:p>
           <a:p>
@@ -4793,7 +5169,6 @@
               <a:rPr lang="en-US" dirty="0" smtClean="0"/>
               <a:t>I suggest to move the peek even sooner.  Hit it hard right away.  Line up your effort with office hours, so you can get help early and late.</a:t>
             </a:r>
-            <a:endParaRPr lang="en-US" dirty="0" smtClean="0"/>
           </a:p>
         </p:txBody>
       </p:sp>
@@ -6152,11 +6527,7 @@
             </a:pPr>
             <a:r>
               <a:rPr lang="en-US" dirty="0" smtClean="0"/>
-              <a:t>Varun:  NVIDIA (video bios</a:t>
-            </a:r>
-            <a:r>
-              <a:rPr lang="en-US" dirty="0" smtClean="0"/>
-              <a:t>)</a:t>
+              <a:t>Varun:  NVIDIA (video bios)</a:t>
             </a:r>
           </a:p>
           <a:p>
@@ -6895,11 +7266,7 @@
             <a:pPr eaLnBrk="1" hangingPunct="1"/>
             <a:r>
               <a:rPr lang="en-US" dirty="0" smtClean="0"/>
-              <a:t>See the dates on these books?  This course is bleeding-edge</a:t>
-            </a:r>
-            <a:r>
-              <a:rPr lang="en-US" dirty="0" smtClean="0"/>
-              <a:t>!</a:t>
+              <a:t>See the dates on these books?  This course is bleeding-edge!</a:t>
             </a:r>
           </a:p>
           <a:p>
@@ -11676,15 +12043,7 @@
             </a:pPr>
             <a:r>
               <a:rPr lang="en-US" dirty="0" smtClean="0"/>
-              <a:t>CIS 565 - </a:t>
-            </a:r>
-            <a:r>
-              <a:rPr lang="en-US" dirty="0" smtClean="0"/>
-              <a:t>Fall </a:t>
-            </a:r>
-            <a:r>
-              <a:rPr lang="en-US" dirty="0" smtClean="0"/>
-              <a:t>2012</a:t>
+              <a:t>CIS 565 - Fall 2012</a:t>
             </a:r>
           </a:p>
         </p:txBody>
@@ -11864,15 +12223,7 @@
             </a:pPr>
             <a:r>
               <a:rPr lang="en-US" dirty="0" smtClean="0"/>
-              <a:t>Used for course materials, </a:t>
-            </a:r>
-            <a:r>
-              <a:rPr lang="en-US" dirty="0" smtClean="0"/>
-              <a:t>projects, </a:t>
-            </a:r>
-            <a:r>
-              <a:rPr lang="en-US" dirty="0" smtClean="0"/>
-              <a:t>and the final project</a:t>
+              <a:t>Used for course materials, projects, and the final project</a:t>
             </a:r>
           </a:p>
           <a:p>
@@ -11915,15 +12266,7 @@
                 <a:cs typeface="+mn-cs"/>
                 <a:hlinkClick r:id="rId5"/>
               </a:rPr>
-              <a:t>https://</a:t>
-            </a:r>
-            <a:r>
-              <a:rPr lang="en-US" dirty="0" smtClean="0">
-                <a:ea typeface="+mn-ea"/>
-                <a:cs typeface="+mn-cs"/>
-                <a:hlinkClick r:id="rId5"/>
-              </a:rPr>
-              <a:t>github.com/CIS565-Fall-2012</a:t>
+              <a:t>https://github.com/CIS565-Fall-2012</a:t>
             </a:r>
             <a:endParaRPr lang="en-US" dirty="0" smtClean="0">
               <a:ea typeface="+mn-ea"/>
@@ -12011,7 +12354,6 @@
               <a:rPr lang="en-US" dirty="0" smtClean="0"/>
               <a:t>Recommended Books</a:t>
             </a:r>
-            <a:endParaRPr lang="en-US" dirty="0" smtClean="0"/>
           </a:p>
         </p:txBody>
       </p:sp>
@@ -12398,7 +12740,6 @@
                 <a:rPr lang="en-US" sz="1400" dirty="0"/>
                 <a:t> Hoffman</a:t>
               </a:r>
-              <a:endParaRPr lang="en-US" sz="1400" dirty="0"/>
             </a:p>
           </p:txBody>
         </p:sp>
@@ -13093,11 +13434,7 @@
             <a:pPr eaLnBrk="1" hangingPunct="1"/>
             <a:r>
               <a:rPr lang="en-US" dirty="0" smtClean="0"/>
-              <a:t>Start </a:t>
-            </a:r>
-            <a:r>
-              <a:rPr lang="en-US" dirty="0" smtClean="0"/>
-              <a:t>with GPU architecture</a:t>
+              <a:t>Start with GPU architecture</a:t>
             </a:r>
           </a:p>
         </p:txBody>
@@ -18790,7 +19127,6 @@
               <a:rPr lang="en-US" dirty="0" smtClean="0"/>
               <a:t>WebGL</a:t>
             </a:r>
-            <a:endParaRPr lang="en-US" dirty="0" smtClean="0"/>
           </a:p>
         </p:txBody>
       </p:sp>
@@ -19199,7 +19535,6 @@
               <a:rPr lang="en-US" dirty="0" smtClean="0"/>
               <a:t>6-7:30pm</a:t>
             </a:r>
-            <a:endParaRPr lang="en-US" dirty="0" smtClean="0"/>
           </a:p>
           <a:p>
             <a:pPr eaLnBrk="1" hangingPunct="1"/>
@@ -19216,11 +19551,7 @@
             <a:pPr eaLnBrk="1" hangingPunct="1"/>
             <a:r>
               <a:rPr lang="en-US" dirty="0" smtClean="0"/>
-              <a:t>Lectures </a:t>
-            </a:r>
-            <a:r>
-              <a:rPr lang="en-US" dirty="0" smtClean="0"/>
-              <a:t>are recorded</a:t>
+              <a:t>Lectures are recorded</a:t>
             </a:r>
           </a:p>
           <a:p>
@@ -19229,7 +19560,6 @@
               <a:rPr lang="en-US" dirty="0" smtClean="0"/>
               <a:t>Attendance is required for guest lectures</a:t>
             </a:r>
-            <a:endParaRPr lang="en-US" dirty="0" smtClean="0"/>
           </a:p>
         </p:txBody>
       </p:sp>
@@ -20712,7 +21042,6 @@
               <a:rPr lang="en-US" dirty="0" smtClean="0"/>
               <a:t>AMD Toyshop Demo</a:t>
             </a:r>
-            <a:endParaRPr lang="en-US" dirty="0" smtClean="0"/>
           </a:p>
         </p:txBody>
       </p:sp>
@@ -21510,12 +21839,12 @@
           </a:lstStyle>
           <a:p>
             <a:r>
-              <a:rPr lang="en-US">
+              <a:rPr lang="en-US" dirty="0">
                 <a:hlinkClick r:id="rId4"/>
               </a:rPr>
               <a:t>http://www.nvidia.com/object/GTX_400_games_demos.html</a:t>
             </a:r>
-            <a:endParaRPr lang="en-US"/>
+            <a:endParaRPr lang="en-US" dirty="0"/>
           </a:p>
         </p:txBody>
       </p:sp>
@@ -22496,7 +22825,6 @@
               <a:rPr lang="en-US" dirty="0" smtClean="0"/>
               <a:t>Mobile</a:t>
             </a:r>
-            <a:endParaRPr lang="en-US" dirty="0" smtClean="0"/>
           </a:p>
         </p:txBody>
       </p:sp>
@@ -24027,38 +24355,14 @@
             <a:pPr eaLnBrk="1" hangingPunct="1"/>
             <a:r>
               <a:rPr lang="en-US" dirty="0" smtClean="0"/>
-              <a:t>Projects </a:t>
-            </a:r>
+              <a:t>Projects 		60%</a:t>
+            </a:r>
+          </a:p>
+          <a:p>
+            <a:pPr eaLnBrk="1" hangingPunct="1"/>
             <a:r>
               <a:rPr lang="en-US" dirty="0" smtClean="0"/>
-              <a:t>		</a:t>
-            </a:r>
-            <a:r>
-              <a:rPr lang="en-US" dirty="0" smtClean="0"/>
-              <a:t>60</a:t>
-            </a:r>
-            <a:r>
-              <a:rPr lang="en-US" dirty="0" smtClean="0"/>
-              <a:t>%</a:t>
-            </a:r>
-          </a:p>
-          <a:p>
-            <a:pPr eaLnBrk="1" hangingPunct="1"/>
-            <a:r>
-              <a:rPr lang="en-US" dirty="0" smtClean="0"/>
-              <a:t>Final </a:t>
-            </a:r>
-            <a:r>
-              <a:rPr lang="en-US" dirty="0" smtClean="0"/>
-              <a:t>Project 		</a:t>
-            </a:r>
-            <a:r>
-              <a:rPr lang="en-US" dirty="0" smtClean="0"/>
-              <a:t>40</a:t>
-            </a:r>
-            <a:r>
-              <a:rPr lang="en-US" dirty="0" smtClean="0"/>
-              <a:t>%</a:t>
+              <a:t>Final Project 		40%</a:t>
             </a:r>
           </a:p>
           <a:p>
@@ -24067,7 +24371,6 @@
               <a:rPr lang="en-US" dirty="0" smtClean="0"/>
               <a:t>Final			  0%</a:t>
             </a:r>
-            <a:endParaRPr lang="en-US" dirty="0" smtClean="0"/>
           </a:p>
           <a:p>
             <a:pPr eaLnBrk="1" hangingPunct="1"/>
@@ -24439,13 +24742,8 @@
             </a:pPr>
             <a:r>
               <a:rPr lang="en-US" dirty="0" smtClean="0"/>
-              <a:t>Patrick </a:t>
-            </a:r>
-            <a:r>
-              <a:rPr lang="en-US" dirty="0" smtClean="0"/>
-              <a:t>Cozzi</a:t>
-            </a:r>
-            <a:endParaRPr lang="en-US" dirty="0" smtClean="0"/>
+              <a:t>Patrick Cozzi</a:t>
+            </a:r>
           </a:p>
           <a:p>
             <a:pPr marL="0" indent="0" eaLnBrk="1" hangingPunct="1">
@@ -25630,7 +25928,6 @@
               <a:rPr lang="en-US" dirty="0" smtClean="0"/>
               <a:t>Intensity</a:t>
             </a:r>
-            <a:endParaRPr lang="en-US" dirty="0" smtClean="0"/>
           </a:p>
         </p:txBody>
       </p:sp>
@@ -27468,13 +27765,7 @@
               <a:rPr lang="en-US" dirty="0" smtClean="0">
                 <a:hlinkClick r:id="rId3"/>
               </a:rPr>
-              <a:t>http://www.upenn.edu/academicintegrity</a:t>
-            </a:r>
-            <a:r>
-              <a:rPr lang="en-US" dirty="0" smtClean="0">
-                <a:hlinkClick r:id="rId3"/>
-              </a:rPr>
-              <a:t>/</a:t>
+              <a:t>http://www.upenn.edu/academicintegrity/</a:t>
             </a:r>
             <a:endParaRPr lang="en-US" dirty="0" smtClean="0"/>
           </a:p>
@@ -27503,7 +27794,6 @@
               <a:rPr lang="en-US" dirty="0" smtClean="0"/>
               <a:t>Get approval for all code you didn’t write yourself with the TA in advance</a:t>
             </a:r>
-            <a:endParaRPr lang="en-US" dirty="0" smtClean="0"/>
           </a:p>
           <a:p>
             <a:pPr eaLnBrk="1" hangingPunct="1"/>
@@ -27586,11 +27876,7 @@
             </a:pPr>
             <a:r>
               <a:rPr lang="en-US" dirty="0" smtClean="0"/>
-              <a:t>Most projects </a:t>
-            </a:r>
-            <a:r>
-              <a:rPr lang="en-US" dirty="0" smtClean="0"/>
-              <a:t>require an </a:t>
+              <a:t>Most projects require an </a:t>
             </a:r>
             <a:r>
               <a:rPr lang="en-US" i="1" dirty="0" smtClean="0">
@@ -27808,42 +28094,7 @@
                 <a:ea typeface="+mn-ea"/>
                 <a:cs typeface="+mn-cs"/>
               </a:rPr>
-              <a:t> - Most </a:t>
-            </a:r>
-            <a:r>
-              <a:rPr lang="en-US" dirty="0" smtClean="0">
-                <a:ea typeface="+mn-ea"/>
-                <a:cs typeface="+mn-cs"/>
-              </a:rPr>
-              <a:t>systems have </a:t>
-            </a:r>
-            <a:r>
-              <a:rPr lang="en-US" dirty="0" smtClean="0">
-                <a:ea typeface="+mn-ea"/>
-                <a:cs typeface="+mn-cs"/>
-              </a:rPr>
-              <a:t>at least NVIDIA GeForce 8800s.  Two </a:t>
-            </a:r>
-            <a:r>
-              <a:rPr lang="en-US" dirty="0" smtClean="0">
-                <a:ea typeface="+mn-ea"/>
-                <a:cs typeface="+mn-cs"/>
-              </a:rPr>
-              <a:t>systems have </a:t>
-            </a:r>
-            <a:r>
-              <a:rPr lang="en-US" dirty="0" smtClean="0">
-                <a:ea typeface="+mn-ea"/>
-                <a:cs typeface="+mn-cs"/>
-              </a:rPr>
-              <a:t>a GeForce 480, </a:t>
-            </a:r>
-            <a:r>
-              <a:rPr lang="en-US" dirty="0" smtClean="0">
-                <a:ea typeface="+mn-ea"/>
-                <a:cs typeface="+mn-cs"/>
-              </a:rPr>
-              <a:t>three have Fermi </a:t>
+              <a:t> - Most systems have at least NVIDIA GeForce 8800s.  Two systems have a GeForce 480, three have Fermi </a:t>
             </a:r>
             <a:r>
               <a:rPr lang="en-US" dirty="0" err="1" smtClean="0">
@@ -27857,26 +28108,8 @@
                 <a:ea typeface="+mn-ea"/>
                 <a:cs typeface="+mn-cs"/>
               </a:rPr>
-              <a:t>, one has </a:t>
-            </a:r>
-            <a:r>
-              <a:rPr lang="en-US" dirty="0" smtClean="0">
-                <a:ea typeface="+mn-ea"/>
-                <a:cs typeface="+mn-cs"/>
-              </a:rPr>
-              <a:t>a Fermi </a:t>
-            </a:r>
-            <a:r>
-              <a:rPr lang="en-US" dirty="0" smtClean="0">
-                <a:ea typeface="+mn-ea"/>
-                <a:cs typeface="+mn-cs"/>
-              </a:rPr>
-              <a:t>Tesla, and one has an AMD card</a:t>
-            </a:r>
-            <a:endParaRPr lang="en-US" dirty="0" smtClean="0">
-              <a:ea typeface="+mn-ea"/>
-              <a:cs typeface="+mn-cs"/>
-            </a:endParaRPr>
+              <a:t>, one has a Fermi Tesla, and one has an AMD card</a:t>
+            </a:r>
           </a:p>
           <a:p>
             <a:pPr eaLnBrk="1" hangingPunct="1">
@@ -27884,13 +28117,8 @@
             </a:pPr>
             <a:r>
               <a:rPr lang="en-US" dirty="0" smtClean="0"/>
-              <a:t>Contact </a:t>
-            </a:r>
-            <a:r>
-              <a:rPr lang="en-US" dirty="0" smtClean="0"/>
-              <a:t>Karl</a:t>
-            </a:r>
-            <a:endParaRPr lang="en-US" dirty="0" smtClean="0"/>
+              <a:t>Contact Karl</a:t>
+            </a:r>
           </a:p>
           <a:p>
             <a:pPr marL="0" indent="0" eaLnBrk="1" hangingPunct="1">
@@ -28163,11 +28391,7 @@
             </a:pPr>
             <a:r>
               <a:rPr lang="en-US" dirty="0" smtClean="0"/>
-              <a:t>Office </a:t>
-            </a:r>
-            <a:r>
-              <a:rPr lang="en-US" dirty="0" smtClean="0"/>
-              <a:t>Hours</a:t>
+              <a:t>Office Hours</a:t>
             </a:r>
           </a:p>
           <a:p>
@@ -28178,7 +28402,6 @@
               <a:rPr lang="en-US" dirty="0" smtClean="0"/>
               <a:t>After class</a:t>
             </a:r>
-            <a:endParaRPr lang="en-US" dirty="0" smtClean="0"/>
           </a:p>
           <a:p>
             <a:pPr lvl="1" eaLnBrk="1" hangingPunct="1">
@@ -28718,7 +28941,6 @@
               <a:rPr lang="en-US" dirty="0" smtClean="0"/>
               <a:t>Graphics Pipeline</a:t>
             </a:r>
-            <a:endParaRPr lang="en-US" dirty="0" smtClean="0"/>
           </a:p>
         </p:txBody>
       </p:sp>
@@ -28942,13 +29164,8 @@
             </a:pPr>
             <a:r>
               <a:rPr lang="en-US" dirty="0" smtClean="0"/>
-              <a:t>No class </a:t>
-            </a:r>
-            <a:r>
-              <a:rPr lang="en-US" dirty="0" smtClean="0"/>
-              <a:t>Wednesday, 09/12</a:t>
-            </a:r>
-            <a:endParaRPr lang="en-US" dirty="0" smtClean="0"/>
+              <a:t>No class Wednesday, 09/12</a:t>
+            </a:r>
           </a:p>
           <a:p>
             <a:pPr marL="0" indent="0" eaLnBrk="1" hangingPunct="1">
@@ -29121,13 +29338,8 @@
             </a:pPr>
             <a:r>
               <a:rPr lang="en-US" dirty="0" smtClean="0"/>
-              <a:t>Tuesday, </a:t>
-            </a:r>
-            <a:r>
-              <a:rPr lang="en-US" dirty="0" smtClean="0"/>
-              <a:t>TBA</a:t>
-            </a:r>
-            <a:endParaRPr lang="en-US" dirty="0" smtClean="0"/>
+              <a:t>Tuesday, TBA</a:t>
+            </a:r>
           </a:p>
           <a:p>
             <a:pPr lvl="1" eaLnBrk="1" hangingPunct="1">
@@ -29137,7 +29349,6 @@
               <a:rPr lang="en-US" dirty="0" smtClean="0"/>
               <a:t>Friday, TBA</a:t>
             </a:r>
-            <a:endParaRPr lang="en-US" dirty="0" smtClean="0"/>
           </a:p>
           <a:p>
             <a:pPr marL="0" indent="0" eaLnBrk="1" hangingPunct="1">
@@ -30158,7 +30369,6 @@
               <a:rPr lang="en-US" dirty="0" smtClean="0"/>
               <a:t>graphics</a:t>
             </a:r>
-            <a:endParaRPr lang="en-US" dirty="0" smtClean="0"/>
           </a:p>
           <a:p>
             <a:pPr eaLnBrk="1" hangingPunct="1"/>
@@ -30174,21 +30384,12 @@
               <a:rPr lang="en-US" dirty="0" smtClean="0"/>
               <a:t>A</a:t>
             </a:r>
-            <a:endParaRPr lang="en-US" dirty="0" smtClean="0"/>
           </a:p>
           <a:p>
             <a:pPr eaLnBrk="1" hangingPunct="1"/>
             <a:r>
               <a:rPr lang="en-US" dirty="0" smtClean="0"/>
-              <a:t>Strong </a:t>
-            </a:r>
-            <a:r>
-              <a:rPr lang="en-US" dirty="0" smtClean="0"/>
-              <a:t>C or C</a:t>
-            </a:r>
-            <a:r>
-              <a:rPr lang="en-US" dirty="0" smtClean="0"/>
-              <a:t>++</a:t>
+              <a:t>Strong C or C++</a:t>
             </a:r>
           </a:p>
           <a:p>
@@ -30303,15 +30504,7 @@
             </a:pPr>
             <a:r>
               <a:rPr lang="en-US" sz="2800" dirty="0" smtClean="0"/>
-              <a:t>Schedule, reading, slides, audio, </a:t>
-            </a:r>
-            <a:r>
-              <a:rPr lang="en-US" sz="2800" dirty="0" smtClean="0"/>
-              <a:t>projects, </a:t>
-            </a:r>
-            <a:r>
-              <a:rPr lang="en-US" sz="2800" dirty="0" smtClean="0"/>
-              <a:t>etc.</a:t>
+              <a:t>Schedule, reading, slides, audio, projects, etc.</a:t>
             </a:r>
           </a:p>
         </p:txBody>
@@ -30368,7 +30561,6 @@
               <a:rPr lang="en-US" dirty="0" smtClean="0"/>
               <a:t>Piazza</a:t>
             </a:r>
-            <a:endParaRPr lang="en-US" dirty="0" smtClean="0"/>
           </a:p>
         </p:txBody>
       </p:sp>

--- a/lectures/09-05-Course-Overview.pptx
+++ b/lectures/09-05-Course-Overview.pptx
@@ -2531,19 +2531,7 @@
                 <a:ea typeface="+mn-ea"/>
                 <a:cs typeface="+mn-cs"/>
               </a:rPr>
-              <a:t>http://</a:t>
-            </a:r>
-            <a:r>
-              <a:rPr lang="en-US" sz="1200" b="0" i="0" kern="1200" dirty="0" smtClean="0">
-                <a:solidFill>
-                  <a:schemeClr val="tx1"/>
-                </a:solidFill>
-                <a:effectLst/>
-                <a:latin typeface="Arial" charset="0"/>
-                <a:ea typeface="+mn-ea"/>
-                <a:cs typeface="+mn-cs"/>
-              </a:rPr>
-              <a:t>www.shader.org/webglcamp/slides/s2_4.pdf</a:t>
+              <a:t>http://www.shader.org/webglcamp/slides/s2_4.pdf</a:t>
             </a:r>
           </a:p>
           <a:p>
@@ -2559,7 +2547,10 @@
             </a:endParaRPr>
           </a:p>
           <a:p>
-            <a:pPr eaLnBrk="1" hangingPunct="1"/>
+            <a:pPr marL="171450" indent="-171450" eaLnBrk="1" hangingPunct="1">
+              <a:buFont typeface="Arial" charset="0"/>
+              <a:buChar char="•"/>
+            </a:pPr>
             <a:r>
               <a:rPr lang="en-US" sz="1200" b="0" i="0" kern="1200" dirty="0" smtClean="0">
                 <a:solidFill>
@@ -2570,7 +2561,61 @@
                 <a:ea typeface="+mn-ea"/>
                 <a:cs typeface="+mn-cs"/>
               </a:rPr>
-              <a:t>“huge number of dynamic lights and shadows, high quality animated skinned characters, particle systems with multiple stages, 2D GUIs and animations mapped onto 3D objects, and a great variety of materials and shading effects.”</a:t>
+              <a:t>Quake 4 assets</a:t>
+            </a:r>
+          </a:p>
+          <a:p>
+            <a:pPr marL="171450" indent="-171450" eaLnBrk="1" hangingPunct="1">
+              <a:buFont typeface="Arial" charset="0"/>
+              <a:buChar char="•"/>
+            </a:pPr>
+            <a:r>
+              <a:rPr lang="en-US" sz="1200" b="0" i="0" kern="1200" dirty="0" smtClean="0">
+                <a:solidFill>
+                  <a:schemeClr val="tx1"/>
+                </a:solidFill>
+                <a:effectLst/>
+                <a:latin typeface="Arial" charset="0"/>
+                <a:ea typeface="+mn-ea"/>
+                <a:cs typeface="+mn-cs"/>
+              </a:rPr>
+              <a:t>1694 assets – compression and caching</a:t>
+            </a:r>
+          </a:p>
+          <a:p>
+            <a:pPr marL="171450" indent="-171450" eaLnBrk="1" hangingPunct="1">
+              <a:buFont typeface="Arial" charset="0"/>
+              <a:buChar char="•"/>
+            </a:pPr>
+            <a:r>
+              <a:rPr lang="en-US" sz="1200" b="0" i="0" kern="1200" dirty="0" smtClean="0">
+                <a:solidFill>
+                  <a:schemeClr val="tx1"/>
+                </a:solidFill>
+                <a:effectLst/>
+                <a:latin typeface="Arial" charset="0"/>
+                <a:ea typeface="+mn-ea"/>
+                <a:cs typeface="+mn-cs"/>
+              </a:rPr>
+              <a:t>353 lights, 346 particle systems – culling with portals and bounding-box trees</a:t>
+            </a:r>
+          </a:p>
+          <a:p>
+            <a:pPr marL="171450" indent="-171450" eaLnBrk="1" hangingPunct="1">
+              <a:buFont typeface="Arial" charset="0"/>
+              <a:buChar char="•"/>
+            </a:pPr>
+            <a:r>
+              <a:rPr lang="en-US" sz="1200" b="0" i="0" kern="1200" dirty="0" smtClean="0">
+                <a:solidFill>
+                  <a:schemeClr val="tx1"/>
+                </a:solidFill>
+                <a:effectLst/>
+                <a:latin typeface="Arial" charset="0"/>
+                <a:ea typeface="+mn-ea"/>
+                <a:cs typeface="+mn-cs"/>
+              </a:rPr>
+              <a:t>55 shading techniques, 451 materials – sort by technique and material</a:t>
             </a:r>
           </a:p>
           <a:p>
@@ -2588,7 +2633,34 @@
           <a:p>
             <a:pPr eaLnBrk="1" hangingPunct="1"/>
             <a:r>
-              <a:rPr lang="en-US" sz="1200" b="0" i="0" kern="1200" smtClean="0">
+              <a:rPr lang="en-US" sz="1200" b="0" i="0" kern="1200" dirty="0" smtClean="0">
+                <a:solidFill>
+                  <a:schemeClr val="tx1"/>
+                </a:solidFill>
+                <a:effectLst/>
+                <a:latin typeface="Arial" charset="0"/>
+                <a:ea typeface="+mn-ea"/>
+                <a:cs typeface="+mn-cs"/>
+              </a:rPr>
+              <a:t>“huge number of dynamic lights and shadows, high quality animated skinned characters, particle systems with multiple stages, 2D GUIs and animations mapped onto 3D objects, and a great variety of materials and shading effects.”</a:t>
+            </a:r>
+          </a:p>
+          <a:p>
+            <a:pPr eaLnBrk="1" hangingPunct="1"/>
+            <a:endParaRPr lang="en-US" sz="1200" b="0" i="0" kern="1200" dirty="0" smtClean="0">
+              <a:solidFill>
+                <a:schemeClr val="tx1"/>
+              </a:solidFill>
+              <a:effectLst/>
+              <a:latin typeface="Arial" charset="0"/>
+              <a:ea typeface="+mn-ea"/>
+              <a:cs typeface="+mn-cs"/>
+            </a:endParaRPr>
+          </a:p>
+          <a:p>
+            <a:pPr eaLnBrk="1" hangingPunct="1"/>
+            <a:r>
+              <a:rPr lang="en-US" sz="1200" b="0" i="0" kern="1200" dirty="0" smtClean="0">
                 <a:solidFill>
                   <a:schemeClr val="tx1"/>
                 </a:solidFill>
@@ -2978,20 +3050,7 @@
                 <a:cs typeface="+mn-cs"/>
                 <a:hlinkClick r:id="rId3"/>
               </a:rPr>
-              <a:t>http://</a:t>
-            </a:r>
-            <a:r>
-              <a:rPr lang="en-US" sz="1200" b="0" i="0" kern="1200" dirty="0" smtClean="0">
-                <a:solidFill>
-                  <a:schemeClr val="tx1"/>
-                </a:solidFill>
-                <a:effectLst/>
-                <a:latin typeface="Arial" charset="0"/>
-                <a:ea typeface="+mn-ea"/>
-                <a:cs typeface="+mn-cs"/>
-                <a:hlinkClick r:id="rId3"/>
-              </a:rPr>
-              <a:t>developer.amd.com/media/gpu_assets/ToyShop-Eurographics_AnimationFestival.pdf</a:t>
+              <a:t>http://developer.amd.com/media/gpu_assets/ToyShop-Eurographics_AnimationFestival.pdf</a:t>
             </a:r>
             <a:endParaRPr lang="en-US" sz="1200" b="0" i="0" kern="1200" dirty="0" smtClean="0">
               <a:solidFill>
@@ -3422,15 +3481,7 @@
           <a:p>
             <a:r>
               <a:rPr lang="en-US" dirty="0" smtClean="0"/>
-              <a:t>Also </a:t>
-            </a:r>
-            <a:r>
-              <a:rPr lang="en-US" dirty="0" smtClean="0"/>
-              <a:t>see - http://</a:t>
-            </a:r>
-            <a:r>
-              <a:rPr lang="en-US" dirty="0" smtClean="0"/>
-              <a:t>www.youtube.com/watch?v=s2y7e3Zm1xc</a:t>
+              <a:t>Also see - http://www.youtube.com/watch?v=s2y7e3Zm1xc</a:t>
             </a:r>
           </a:p>
           <a:p>
